--- a/21926033_이주찬, 21926023_백경흠_v0.6 (1).pptx
+++ b/21926033_이주찬, 21926023_백경흠_v0.6 (1).pptx
@@ -2,7 +2,7 @@
 <file path=ppt/presentation.xml><?xml version="1.0" encoding="utf-8"?>
 <p:presentation xmlns:r="http://schemas.openxmlformats.org/officeDocument/2006/relationships" xmlns:c="http://schemas.openxmlformats.org/drawingml/2006/chart" xmlns:a="http://schemas.openxmlformats.org/drawingml/2006/main" xmlns:dgm="http://schemas.openxmlformats.org/drawingml/2006/diagram" xmlns:dsp="http://schemas.microsoft.com/office/drawing/2008/diagram" xmlns:p="http://schemas.openxmlformats.org/presentationml/2006/main" autoCompressPictures="0">
   <p:sldMasterIdLst>
-    <p:sldMasterId id="2147483691" r:id="rId1"/>
+    <p:sldMasterId id="2147483696" r:id="rId1"/>
   </p:sldMasterIdLst>
   <p:notesMasterIdLst>
     <p:notesMasterId r:id="rId2"/>
@@ -5720,7 +5720,7 @@
         </p:nvGraphicFramePr>
         <p:xfrm>
           <a:off x="85725" y="2536698"/>
-          <a:ext cx="9692974" cy="5823180"/>
+          <a:ext cx="9692968" cy="5823180"/>
         </p:xfrm>
         <a:graphic>
           <a:graphicData uri="http://schemas.openxmlformats.org/drawingml/2006/table">
@@ -10632,16 +10632,6 @@
                         <a:defRPr/>
                       </a:pPr>
                       <a:r>
-                        <a:rPr xmlns:mc="http://schemas.openxmlformats.org/markup-compatibility/2006" xmlns:hp="http://schemas.haansoft.com/office/presentation/8.0" lang="ko-KR" altLang="en-US" sz="1100" b="1" i="0" u="none" strike="noStrike" mc:Ignorable="hp" hp:hslEmbossed="0">
-                          <a:solidFill>
-                            <a:srgbClr val="000000"/>
-                          </a:solidFill>
-                          <a:latin typeface="맑은 고딕"/>
-                          <a:ea typeface="맑은 고딕"/>
-                        </a:rPr>
-                        <a:t>날씨</a:t>
-                      </a:r>
-                      <a:r>
                         <a:rPr xmlns:mc="http://schemas.openxmlformats.org/markup-compatibility/2006" xmlns:hp="http://schemas.haansoft.com/office/presentation/8.0" sz="1100" b="1" i="0" u="none" strike="noStrike" mc:Ignorable="hp" hp:hslEmbossed="0">
                           <a:solidFill>
                             <a:srgbClr val="000000"/>
@@ -10649,7 +10639,7 @@
                           <a:latin typeface="맑은 고딕"/>
                           <a:ea typeface="맑은 고딕"/>
                         </a:rPr>
-                        <a:t>화면</a:t>
+                        <a:t>위치권한</a:t>
                       </a:r>
                       <a:endParaRPr xmlns:mc="http://schemas.openxmlformats.org/markup-compatibility/2006" xmlns:hp="http://schemas.haansoft.com/office/presentation/8.0" sz="1100" b="1" i="0" u="none" strike="noStrike" mc:Ignorable="hp" hp:hslEmbossed="0">
                         <a:solidFill>
@@ -12488,16 +12478,16 @@
                         <a:defRPr/>
                       </a:pPr>
                       <a:r>
-                        <a:rPr xmlns:mc="http://schemas.openxmlformats.org/markup-compatibility/2006" xmlns:hp="http://schemas.haansoft.com/office/presentation/8.0" sz="1100" b="1" i="0" u="none" strike="noStrike" mc:Ignorable="hp" hp:hslEmbossed="0">
+                        <a:rPr xmlns:mc="http://schemas.openxmlformats.org/markup-compatibility/2006" xmlns:hp="http://schemas.haansoft.com/office/presentation/8.0" lang="ko-KR" altLang="en-US" sz="1100" b="1" i="0" u="none" strike="noStrike" mc:Ignorable="hp" hp:hslEmbossed="0">
                           <a:solidFill>
                             <a:srgbClr val="000000"/>
                           </a:solidFill>
                           <a:latin typeface="맑은 고딕"/>
                           <a:ea typeface="맑은 고딕"/>
                         </a:rPr>
-                        <a:t>위치권한</a:t>
+                        <a:t>날씨화면</a:t>
                       </a:r>
-                      <a:endParaRPr xmlns:mc="http://schemas.openxmlformats.org/markup-compatibility/2006" xmlns:hp="http://schemas.haansoft.com/office/presentation/8.0" sz="1100" b="1" i="0" u="none" strike="noStrike" mc:Ignorable="hp" hp:hslEmbossed="0">
+                      <a:endParaRPr xmlns:mc="http://schemas.openxmlformats.org/markup-compatibility/2006" xmlns:hp="http://schemas.haansoft.com/office/presentation/8.0" lang="ko-KR" altLang="en-US" sz="1100" b="1" i="0" u="none" strike="noStrike" mc:Ignorable="hp" hp:hslEmbossed="0">
                         <a:solidFill>
                           <a:srgbClr val="000000"/>
                         </a:solidFill>
@@ -17087,6 +17077,496 @@
           </a:graphicData>
         </a:graphic>
       </p:graphicFrame>
+      <p:sp>
+        <p:nvSpPr>
+          <p:cNvPr id="11" name=""/>
+          <p:cNvSpPr/>
+          <p:nvPr/>
+        </p:nvSpPr>
+        <p:spPr>
+          <a:xfrm>
+            <a:off x="905668" y="3267868"/>
+            <a:ext cx="1117600" cy="279400"/>
+          </a:xfrm>
+          <a:prstGeom prst="rect">
+            <a:avLst/>
+          </a:prstGeom>
+          <a:solidFill>
+            <a:schemeClr val="accent6">
+              <a:alpha val="69000"/>
+            </a:schemeClr>
+          </a:solidFill>
+          <a:ln>
+            <a:noFill/>
+          </a:ln>
+        </p:spPr>
+        <p:style>
+          <a:lnRef idx="2">
+            <a:schemeClr val="accent1">
+              <a:shade val="20000"/>
+            </a:schemeClr>
+          </a:lnRef>
+          <a:fillRef idx="1">
+            <a:schemeClr val="accent1"/>
+          </a:fillRef>
+          <a:effectRef idx="0">
+            <a:schemeClr val="accent1"/>
+          </a:effectRef>
+          <a:fontRef idx="minor">
+            <a:schemeClr val="lt1"/>
+          </a:fontRef>
+        </p:style>
+        <p:txBody>
+          <a:bodyPr anchor="ctr"/>
+          <a:p>
+            <a:pPr algn="ctr">
+              <a:defRPr/>
+            </a:pPr>
+            <a:endParaRPr lang="ko-KR" altLang="en-US"/>
+          </a:p>
+        </p:txBody>
+      </p:sp>
+      <p:sp>
+        <p:nvSpPr>
+          <p:cNvPr id="14" name=""/>
+          <p:cNvSpPr/>
+          <p:nvPr/>
+        </p:nvSpPr>
+        <p:spPr>
+          <a:xfrm>
+            <a:off x="1502569" y="3763168"/>
+            <a:ext cx="1117600" cy="279400"/>
+          </a:xfrm>
+          <a:prstGeom prst="rect">
+            <a:avLst/>
+          </a:prstGeom>
+          <a:solidFill>
+            <a:schemeClr val="accent6">
+              <a:alpha val="69000"/>
+            </a:schemeClr>
+          </a:solidFill>
+          <a:ln>
+            <a:noFill/>
+          </a:ln>
+        </p:spPr>
+        <p:style>
+          <a:lnRef idx="2">
+            <a:schemeClr val="accent1">
+              <a:shade val="20000"/>
+            </a:schemeClr>
+          </a:lnRef>
+          <a:fillRef idx="1">
+            <a:schemeClr val="accent1"/>
+          </a:fillRef>
+          <a:effectRef idx="0">
+            <a:schemeClr val="accent1"/>
+          </a:effectRef>
+          <a:fontRef idx="minor">
+            <a:schemeClr val="lt1"/>
+          </a:fontRef>
+        </p:style>
+        <p:txBody>
+          <a:bodyPr anchor="ctr"/>
+          <a:p>
+            <a:pPr algn="ctr">
+              <a:defRPr/>
+            </a:pPr>
+            <a:endParaRPr lang="ko-KR" altLang="en-US"/>
+          </a:p>
+        </p:txBody>
+      </p:sp>
+      <p:sp>
+        <p:nvSpPr>
+          <p:cNvPr id="15" name=""/>
+          <p:cNvSpPr/>
+          <p:nvPr/>
+        </p:nvSpPr>
+        <p:spPr>
+          <a:xfrm>
+            <a:off x="2108994" y="4312443"/>
+            <a:ext cx="1117600" cy="279400"/>
+          </a:xfrm>
+          <a:prstGeom prst="rect">
+            <a:avLst/>
+          </a:prstGeom>
+          <a:solidFill>
+            <a:schemeClr val="accent6">
+              <a:alpha val="69000"/>
+            </a:schemeClr>
+          </a:solidFill>
+          <a:ln>
+            <a:noFill/>
+          </a:ln>
+        </p:spPr>
+        <p:style>
+          <a:lnRef idx="2">
+            <a:schemeClr val="accent1">
+              <a:shade val="20000"/>
+            </a:schemeClr>
+          </a:lnRef>
+          <a:fillRef idx="1">
+            <a:schemeClr val="accent1"/>
+          </a:fillRef>
+          <a:effectRef idx="0">
+            <a:schemeClr val="accent1"/>
+          </a:effectRef>
+          <a:fontRef idx="minor">
+            <a:schemeClr val="lt1"/>
+          </a:fontRef>
+        </p:style>
+        <p:txBody>
+          <a:bodyPr anchor="ctr"/>
+          <a:p>
+            <a:pPr algn="ctr">
+              <a:defRPr/>
+            </a:pPr>
+            <a:endParaRPr lang="ko-KR" altLang="en-US"/>
+          </a:p>
+        </p:txBody>
+      </p:sp>
+      <p:sp>
+        <p:nvSpPr>
+          <p:cNvPr id="17" name=""/>
+          <p:cNvSpPr/>
+          <p:nvPr/>
+        </p:nvSpPr>
+        <p:spPr>
+          <a:xfrm>
+            <a:off x="2667794" y="4817269"/>
+            <a:ext cx="1728216" cy="279400"/>
+          </a:xfrm>
+          <a:prstGeom prst="rect">
+            <a:avLst/>
+          </a:prstGeom>
+          <a:solidFill>
+            <a:schemeClr val="accent6">
+              <a:alpha val="69000"/>
+            </a:schemeClr>
+          </a:solidFill>
+          <a:ln>
+            <a:noFill/>
+          </a:ln>
+        </p:spPr>
+        <p:style>
+          <a:lnRef idx="2">
+            <a:schemeClr val="accent1">
+              <a:shade val="20000"/>
+            </a:schemeClr>
+          </a:lnRef>
+          <a:fillRef idx="1">
+            <a:schemeClr val="accent1"/>
+          </a:fillRef>
+          <a:effectRef idx="0">
+            <a:schemeClr val="accent1"/>
+          </a:effectRef>
+          <a:fontRef idx="minor">
+            <a:schemeClr val="lt1"/>
+          </a:fontRef>
+        </p:style>
+        <p:txBody>
+          <a:bodyPr anchor="ctr"/>
+          <a:p>
+            <a:pPr algn="ctr">
+              <a:defRPr/>
+            </a:pPr>
+            <a:endParaRPr lang="ko-KR" altLang="en-US"/>
+          </a:p>
+        </p:txBody>
+      </p:sp>
+      <p:sp>
+        <p:nvSpPr>
+          <p:cNvPr id="18" name=""/>
+          <p:cNvSpPr/>
+          <p:nvPr/>
+        </p:nvSpPr>
+        <p:spPr>
+          <a:xfrm>
+            <a:off x="3896519" y="5327638"/>
+            <a:ext cx="2304288" cy="279400"/>
+          </a:xfrm>
+          <a:prstGeom prst="rect">
+            <a:avLst/>
+          </a:prstGeom>
+          <a:solidFill>
+            <a:schemeClr val="accent6">
+              <a:alpha val="69000"/>
+            </a:schemeClr>
+          </a:solidFill>
+          <a:ln>
+            <a:noFill/>
+          </a:ln>
+        </p:spPr>
+        <p:style>
+          <a:lnRef idx="2">
+            <a:schemeClr val="accent1">
+              <a:shade val="20000"/>
+            </a:schemeClr>
+          </a:lnRef>
+          <a:fillRef idx="1">
+            <a:schemeClr val="accent1"/>
+          </a:fillRef>
+          <a:effectRef idx="0">
+            <a:schemeClr val="accent1"/>
+          </a:effectRef>
+          <a:fontRef idx="minor">
+            <a:schemeClr val="lt1"/>
+          </a:fontRef>
+        </p:style>
+        <p:txBody>
+          <a:bodyPr anchor="ctr"/>
+          <a:p>
+            <a:pPr algn="ctr">
+              <a:defRPr/>
+            </a:pPr>
+            <a:endParaRPr lang="ko-KR" altLang="en-US"/>
+          </a:p>
+        </p:txBody>
+      </p:sp>
+      <p:sp>
+        <p:nvSpPr>
+          <p:cNvPr id="20" name=""/>
+          <p:cNvSpPr/>
+          <p:nvPr/>
+        </p:nvSpPr>
+        <p:spPr>
+          <a:xfrm>
+            <a:off x="5067713" y="5871368"/>
+            <a:ext cx="1728216" cy="279400"/>
+          </a:xfrm>
+          <a:prstGeom prst="rect">
+            <a:avLst/>
+          </a:prstGeom>
+          <a:solidFill>
+            <a:schemeClr val="accent6">
+              <a:alpha val="69000"/>
+            </a:schemeClr>
+          </a:solidFill>
+          <a:ln>
+            <a:noFill/>
+          </a:ln>
+        </p:spPr>
+        <p:style>
+          <a:lnRef idx="2">
+            <a:schemeClr val="accent1">
+              <a:shade val="20000"/>
+            </a:schemeClr>
+          </a:lnRef>
+          <a:fillRef idx="1">
+            <a:schemeClr val="accent1"/>
+          </a:fillRef>
+          <a:effectRef idx="0">
+            <a:schemeClr val="accent1"/>
+          </a:effectRef>
+          <a:fontRef idx="minor">
+            <a:schemeClr val="lt1"/>
+          </a:fontRef>
+        </p:style>
+        <p:txBody>
+          <a:bodyPr anchor="ctr"/>
+          <a:p>
+            <a:pPr algn="ctr">
+              <a:defRPr/>
+            </a:pPr>
+            <a:endParaRPr lang="ko-KR" altLang="en-US"/>
+          </a:p>
+        </p:txBody>
+      </p:sp>
+      <p:sp>
+        <p:nvSpPr>
+          <p:cNvPr id="21" name=""/>
+          <p:cNvSpPr/>
+          <p:nvPr/>
+        </p:nvSpPr>
+        <p:spPr>
+          <a:xfrm>
+            <a:off x="6248432" y="6392068"/>
+            <a:ext cx="1728216" cy="279400"/>
+          </a:xfrm>
+          <a:prstGeom prst="rect">
+            <a:avLst/>
+          </a:prstGeom>
+          <a:solidFill>
+            <a:schemeClr val="accent6">
+              <a:alpha val="69000"/>
+            </a:schemeClr>
+          </a:solidFill>
+          <a:ln>
+            <a:noFill/>
+          </a:ln>
+        </p:spPr>
+        <p:style>
+          <a:lnRef idx="2">
+            <a:schemeClr val="accent1">
+              <a:shade val="20000"/>
+            </a:schemeClr>
+          </a:lnRef>
+          <a:fillRef idx="1">
+            <a:schemeClr val="accent1"/>
+          </a:fillRef>
+          <a:effectRef idx="0">
+            <a:schemeClr val="accent1"/>
+          </a:effectRef>
+          <a:fontRef idx="minor">
+            <a:schemeClr val="lt1"/>
+          </a:fontRef>
+        </p:style>
+        <p:txBody>
+          <a:bodyPr anchor="ctr"/>
+          <a:p>
+            <a:pPr algn="ctr">
+              <a:defRPr/>
+            </a:pPr>
+            <a:endParaRPr lang="ko-KR" altLang="en-US"/>
+          </a:p>
+        </p:txBody>
+      </p:sp>
+      <p:sp>
+        <p:nvSpPr>
+          <p:cNvPr id="23" name=""/>
+          <p:cNvSpPr/>
+          <p:nvPr/>
+        </p:nvSpPr>
+        <p:spPr>
+          <a:xfrm>
+            <a:off x="6891179" y="6915138"/>
+            <a:ext cx="2304288" cy="279400"/>
+          </a:xfrm>
+          <a:prstGeom prst="rect">
+            <a:avLst/>
+          </a:prstGeom>
+          <a:solidFill>
+            <a:schemeClr val="accent6">
+              <a:alpha val="69000"/>
+            </a:schemeClr>
+          </a:solidFill>
+          <a:ln>
+            <a:noFill/>
+          </a:ln>
+        </p:spPr>
+        <p:style>
+          <a:lnRef idx="2">
+            <a:schemeClr val="accent1">
+              <a:shade val="20000"/>
+            </a:schemeClr>
+          </a:lnRef>
+          <a:fillRef idx="1">
+            <a:schemeClr val="accent1"/>
+          </a:fillRef>
+          <a:effectRef idx="0">
+            <a:schemeClr val="accent1"/>
+          </a:effectRef>
+          <a:fontRef idx="minor">
+            <a:schemeClr val="lt1"/>
+          </a:fontRef>
+        </p:style>
+        <p:txBody>
+          <a:bodyPr anchor="ctr"/>
+          <a:p>
+            <a:pPr algn="ctr">
+              <a:defRPr/>
+            </a:pPr>
+            <a:endParaRPr lang="ko-KR" altLang="en-US"/>
+          </a:p>
+        </p:txBody>
+      </p:sp>
+      <p:sp>
+        <p:nvSpPr>
+          <p:cNvPr id="24" name=""/>
+          <p:cNvSpPr/>
+          <p:nvPr/>
+        </p:nvSpPr>
+        <p:spPr>
+          <a:xfrm>
+            <a:off x="6881654" y="7423138"/>
+            <a:ext cx="2304288" cy="279400"/>
+          </a:xfrm>
+          <a:prstGeom prst="rect">
+            <a:avLst/>
+          </a:prstGeom>
+          <a:solidFill>
+            <a:schemeClr val="accent6">
+              <a:alpha val="69000"/>
+            </a:schemeClr>
+          </a:solidFill>
+          <a:ln>
+            <a:noFill/>
+          </a:ln>
+        </p:spPr>
+        <p:style>
+          <a:lnRef idx="2">
+            <a:schemeClr val="accent1">
+              <a:shade val="20000"/>
+            </a:schemeClr>
+          </a:lnRef>
+          <a:fillRef idx="1">
+            <a:schemeClr val="accent1"/>
+          </a:fillRef>
+          <a:effectRef idx="0">
+            <a:schemeClr val="accent1"/>
+          </a:effectRef>
+          <a:fontRef idx="minor">
+            <a:schemeClr val="lt1"/>
+          </a:fontRef>
+        </p:style>
+        <p:txBody>
+          <a:bodyPr anchor="ctr"/>
+          <a:p>
+            <a:pPr algn="ctr">
+              <a:defRPr/>
+            </a:pPr>
+            <a:endParaRPr lang="ko-KR" altLang="en-US"/>
+          </a:p>
+        </p:txBody>
+      </p:sp>
+      <p:sp>
+        <p:nvSpPr>
+          <p:cNvPr id="26" name=""/>
+          <p:cNvSpPr/>
+          <p:nvPr/>
+        </p:nvSpPr>
+        <p:spPr>
+          <a:xfrm>
+            <a:off x="8636667" y="7938293"/>
+            <a:ext cx="1117600" cy="279400"/>
+          </a:xfrm>
+          <a:prstGeom prst="rect">
+            <a:avLst/>
+          </a:prstGeom>
+          <a:solidFill>
+            <a:schemeClr val="accent6">
+              <a:alpha val="69000"/>
+            </a:schemeClr>
+          </a:solidFill>
+          <a:ln>
+            <a:noFill/>
+          </a:ln>
+        </p:spPr>
+        <p:style>
+          <a:lnRef idx="2">
+            <a:schemeClr val="accent1">
+              <a:shade val="20000"/>
+            </a:schemeClr>
+          </a:lnRef>
+          <a:fillRef idx="1">
+            <a:schemeClr val="accent1"/>
+          </a:fillRef>
+          <a:effectRef idx="0">
+            <a:schemeClr val="accent1"/>
+          </a:effectRef>
+          <a:fontRef idx="minor">
+            <a:schemeClr val="lt1"/>
+          </a:fontRef>
+        </p:style>
+        <p:txBody>
+          <a:bodyPr anchor="ctr"/>
+          <a:p>
+            <a:pPr algn="ctr">
+              <a:defRPr/>
+            </a:pPr>
+            <a:endParaRPr lang="ko-KR" altLang="en-US"/>
+          </a:p>
+        </p:txBody>
+      </p:sp>
     </p:spTree>
   </p:cSld>
   <p:clrMapOvr>
